--- a/Statistics and Data Science in Practice/Model.pptx
+++ b/Statistics and Data Science in Practice/Model.pptx
@@ -202,7 +202,7 @@
           <a:p>
             <a:fld id="{C18F4376-1184-EF45-B47E-9B2D8CF571C1}" type="datetimeFigureOut">
               <a:rPr kumimoji="1" lang="zh-CN" altLang="en-US" smtClean="0"/>
-              <a:t>2024/1/5</a:t>
+              <a:t>2024/1/8</a:t>
             </a:fld>
             <a:endParaRPr kumimoji="1" lang="zh-CN" altLang="en-US"/>
           </a:p>
@@ -700,7 +700,7 @@
           <a:p>
             <a:fld id="{BCA828C2-A956-764F-8682-3E0C1493743B}" type="datetimeFigureOut">
               <a:rPr kumimoji="1" lang="zh-CN" altLang="en-US" smtClean="0"/>
-              <a:t>2024/1/5</a:t>
+              <a:t>2024/1/8</a:t>
             </a:fld>
             <a:endParaRPr kumimoji="1" lang="zh-CN" altLang="en-US"/>
           </a:p>
@@ -898,7 +898,7 @@
           <a:p>
             <a:fld id="{BCA828C2-A956-764F-8682-3E0C1493743B}" type="datetimeFigureOut">
               <a:rPr kumimoji="1" lang="zh-CN" altLang="en-US" smtClean="0"/>
-              <a:t>2024/1/5</a:t>
+              <a:t>2024/1/8</a:t>
             </a:fld>
             <a:endParaRPr kumimoji="1" lang="zh-CN" altLang="en-US"/>
           </a:p>
@@ -1106,7 +1106,7 @@
           <a:p>
             <a:fld id="{BCA828C2-A956-764F-8682-3E0C1493743B}" type="datetimeFigureOut">
               <a:rPr kumimoji="1" lang="zh-CN" altLang="en-US" smtClean="0"/>
-              <a:t>2024/1/5</a:t>
+              <a:t>2024/1/8</a:t>
             </a:fld>
             <a:endParaRPr kumimoji="1" lang="zh-CN" altLang="en-US"/>
           </a:p>
@@ -1304,7 +1304,7 @@
           <a:p>
             <a:fld id="{BCA828C2-A956-764F-8682-3E0C1493743B}" type="datetimeFigureOut">
               <a:rPr kumimoji="1" lang="zh-CN" altLang="en-US" smtClean="0"/>
-              <a:t>2024/1/5</a:t>
+              <a:t>2024/1/8</a:t>
             </a:fld>
             <a:endParaRPr kumimoji="1" lang="zh-CN" altLang="en-US"/>
           </a:p>
@@ -1579,7 +1579,7 @@
           <a:p>
             <a:fld id="{BCA828C2-A956-764F-8682-3E0C1493743B}" type="datetimeFigureOut">
               <a:rPr kumimoji="1" lang="zh-CN" altLang="en-US" smtClean="0"/>
-              <a:t>2024/1/5</a:t>
+              <a:t>2024/1/8</a:t>
             </a:fld>
             <a:endParaRPr kumimoji="1" lang="zh-CN" altLang="en-US"/>
           </a:p>
@@ -1844,7 +1844,7 @@
           <a:p>
             <a:fld id="{BCA828C2-A956-764F-8682-3E0C1493743B}" type="datetimeFigureOut">
               <a:rPr kumimoji="1" lang="zh-CN" altLang="en-US" smtClean="0"/>
-              <a:t>2024/1/5</a:t>
+              <a:t>2024/1/8</a:t>
             </a:fld>
             <a:endParaRPr kumimoji="1" lang="zh-CN" altLang="en-US"/>
           </a:p>
@@ -2256,7 +2256,7 @@
           <a:p>
             <a:fld id="{BCA828C2-A956-764F-8682-3E0C1493743B}" type="datetimeFigureOut">
               <a:rPr kumimoji="1" lang="zh-CN" altLang="en-US" smtClean="0"/>
-              <a:t>2024/1/5</a:t>
+              <a:t>2024/1/8</a:t>
             </a:fld>
             <a:endParaRPr kumimoji="1" lang="zh-CN" altLang="en-US"/>
           </a:p>
@@ -2397,7 +2397,7 @@
           <a:p>
             <a:fld id="{BCA828C2-A956-764F-8682-3E0C1493743B}" type="datetimeFigureOut">
               <a:rPr kumimoji="1" lang="zh-CN" altLang="en-US" smtClean="0"/>
-              <a:t>2024/1/5</a:t>
+              <a:t>2024/1/8</a:t>
             </a:fld>
             <a:endParaRPr kumimoji="1" lang="zh-CN" altLang="en-US"/>
           </a:p>
@@ -2510,7 +2510,7 @@
           <a:p>
             <a:fld id="{BCA828C2-A956-764F-8682-3E0C1493743B}" type="datetimeFigureOut">
               <a:rPr kumimoji="1" lang="zh-CN" altLang="en-US" smtClean="0"/>
-              <a:t>2024/1/5</a:t>
+              <a:t>2024/1/8</a:t>
             </a:fld>
             <a:endParaRPr kumimoji="1" lang="zh-CN" altLang="en-US"/>
           </a:p>
@@ -2821,7 +2821,7 @@
           <a:p>
             <a:fld id="{BCA828C2-A956-764F-8682-3E0C1493743B}" type="datetimeFigureOut">
               <a:rPr kumimoji="1" lang="zh-CN" altLang="en-US" smtClean="0"/>
-              <a:t>2024/1/5</a:t>
+              <a:t>2024/1/8</a:t>
             </a:fld>
             <a:endParaRPr kumimoji="1" lang="zh-CN" altLang="en-US"/>
           </a:p>
@@ -3109,7 +3109,7 @@
           <a:p>
             <a:fld id="{BCA828C2-A956-764F-8682-3E0C1493743B}" type="datetimeFigureOut">
               <a:rPr kumimoji="1" lang="zh-CN" altLang="en-US" smtClean="0"/>
-              <a:t>2024/1/5</a:t>
+              <a:t>2024/1/8</a:t>
             </a:fld>
             <a:endParaRPr kumimoji="1" lang="zh-CN" altLang="en-US"/>
           </a:p>
@@ -3350,7 +3350,7 @@
           <a:p>
             <a:fld id="{BCA828C2-A956-764F-8682-3E0C1493743B}" type="datetimeFigureOut">
               <a:rPr kumimoji="1" lang="zh-CN" altLang="en-US" smtClean="0"/>
-              <a:t>2024/1/5</a:t>
+              <a:t>2024/1/8</a:t>
             </a:fld>
             <a:endParaRPr kumimoji="1" lang="zh-CN" altLang="en-US"/>
           </a:p>
@@ -10467,6 +10467,90 @@
           </p:txBody>
         </p:sp>
       </p:grpSp>
+      <p:pic>
+        <p:nvPicPr>
+          <p:cNvPr id="14" name="图片 13">
+            <a:extLst>
+              <a:ext uri="{FF2B5EF4-FFF2-40B4-BE49-F238E27FC236}">
+                <a16:creationId xmlns:a16="http://schemas.microsoft.com/office/drawing/2014/main" id="{C0123F1F-8A16-0FA8-28CA-BE8BB09FADC5}"/>
+              </a:ext>
+            </a:extLst>
+          </p:cNvPr>
+          <p:cNvPicPr>
+            <a:picLocks noChangeAspect="1"/>
+          </p:cNvPicPr>
+          <p:nvPr/>
+        </p:nvPicPr>
+        <p:blipFill>
+          <a:blip r:embed="rId2"/>
+          <a:stretch>
+            <a:fillRect/>
+          </a:stretch>
+        </p:blipFill>
+        <p:spPr>
+          <a:xfrm>
+            <a:off x="4186542" y="4224936"/>
+            <a:ext cx="7772400" cy="872690"/>
+          </a:xfrm>
+          <a:prstGeom prst="rect">
+            <a:avLst/>
+          </a:prstGeom>
+        </p:spPr>
+      </p:pic>
+      <p:sp>
+        <p:nvSpPr>
+          <p:cNvPr id="15" name="上箭头 14">
+            <a:extLst>
+              <a:ext uri="{FF2B5EF4-FFF2-40B4-BE49-F238E27FC236}">
+                <a16:creationId xmlns:a16="http://schemas.microsoft.com/office/drawing/2014/main" id="{CD77DE7C-F39D-4217-C2DC-48B2D5F0C58D}"/>
+              </a:ext>
+            </a:extLst>
+          </p:cNvPr>
+          <p:cNvSpPr/>
+          <p:nvPr/>
+        </p:nvSpPr>
+        <p:spPr>
+          <a:xfrm>
+            <a:off x="7962900" y="3848100"/>
+            <a:ext cx="109842" cy="376836"/>
+          </a:xfrm>
+          <a:prstGeom prst="upArrow">
+            <a:avLst/>
+          </a:prstGeom>
+          <a:solidFill>
+            <a:srgbClr val="526188"/>
+          </a:solidFill>
+          <a:ln>
+            <a:solidFill>
+              <a:srgbClr val="526188"/>
+            </a:solidFill>
+          </a:ln>
+        </p:spPr>
+        <p:style>
+          <a:lnRef idx="2">
+            <a:schemeClr val="accent1">
+              <a:shade val="15000"/>
+            </a:schemeClr>
+          </a:lnRef>
+          <a:fillRef idx="1">
+            <a:schemeClr val="accent1"/>
+          </a:fillRef>
+          <a:effectRef idx="0">
+            <a:schemeClr val="accent1"/>
+          </a:effectRef>
+          <a:fontRef idx="minor">
+            <a:schemeClr val="lt1"/>
+          </a:fontRef>
+        </p:style>
+        <p:txBody>
+          <a:bodyPr rtlCol="0" anchor="ctr"/>
+          <a:lstStyle/>
+          <a:p>
+            <a:pPr algn="ctr"/>
+            <a:endParaRPr kumimoji="1" lang="zh-CN" altLang="en-US"/>
+          </a:p>
+        </p:txBody>
+      </p:sp>
     </p:spTree>
   </p:cSld>
   <p:clrMapOvr>
